--- a/ppt 16-9/1181.云彩.pptx
+++ b/ppt 16-9/1181.云彩.pptx
@@ -129,7 +129,7 @@
           <p:cNvPr id="2" name="标题 1">
             <a:extLst>
               <a:ext uri="{FF2B5EF4-FFF2-40B4-BE49-F238E27FC236}">
-                <a16:creationId xmlns:a16="http://schemas.microsoft.com/office/drawing/2014/main" id="{78F86EE0-6B04-E774-B212-12683C4FB4BB}"/>
+                <a16:creationId xmlns:a16="http://schemas.microsoft.com/office/drawing/2014/main" id="{80BE9458-66C5-0771-E52C-212E23A2C8FF}"/>
               </a:ext>
             </a:extLst>
           </p:cNvPr>
@@ -166,7 +166,7 @@
           <p:cNvPr id="3" name="副标题 2">
             <a:extLst>
               <a:ext uri="{FF2B5EF4-FFF2-40B4-BE49-F238E27FC236}">
-                <a16:creationId xmlns:a16="http://schemas.microsoft.com/office/drawing/2014/main" id="{B7816446-DCA3-46D6-B0B7-88EAD97237CB}"/>
+                <a16:creationId xmlns:a16="http://schemas.microsoft.com/office/drawing/2014/main" id="{C5E7FBEF-328B-AD32-027D-6AE29D9366AD}"/>
               </a:ext>
             </a:extLst>
           </p:cNvPr>
@@ -236,7 +236,7 @@
           <p:cNvPr id="4" name="日期占位符 3">
             <a:extLst>
               <a:ext uri="{FF2B5EF4-FFF2-40B4-BE49-F238E27FC236}">
-                <a16:creationId xmlns:a16="http://schemas.microsoft.com/office/drawing/2014/main" id="{27785BE6-7D5C-9D77-A23D-54F988FE33D7}"/>
+                <a16:creationId xmlns:a16="http://schemas.microsoft.com/office/drawing/2014/main" id="{B8CA476B-97E7-CE11-D95D-B76FBAAB8B18}"/>
               </a:ext>
             </a:extLst>
           </p:cNvPr>
@@ -252,7 +252,7 @@
           <a:bodyPr/>
           <a:lstStyle/>
           <a:p>
-            <a:fld id="{647EEC0E-DE52-448E-A72F-270887C1E4DE}" type="datetimeFigureOut">
+            <a:fld id="{6A798656-BBBC-48CE-8814-336C531A3001}" type="datetimeFigureOut">
               <a:rPr lang="zh-CN" altLang="en-US" smtClean="0"/>
               <a:t>2024/3/10</a:t>
             </a:fld>
@@ -265,7 +265,7 @@
           <p:cNvPr id="5" name="页脚占位符 4">
             <a:extLst>
               <a:ext uri="{FF2B5EF4-FFF2-40B4-BE49-F238E27FC236}">
-                <a16:creationId xmlns:a16="http://schemas.microsoft.com/office/drawing/2014/main" id="{19FC21CE-14ED-D450-4778-AB09B03A101C}"/>
+                <a16:creationId xmlns:a16="http://schemas.microsoft.com/office/drawing/2014/main" id="{CD8A9B37-9980-2875-A66E-7061C134DE82}"/>
               </a:ext>
             </a:extLst>
           </p:cNvPr>
@@ -290,7 +290,7 @@
           <p:cNvPr id="6" name="灯片编号占位符 5">
             <a:extLst>
               <a:ext uri="{FF2B5EF4-FFF2-40B4-BE49-F238E27FC236}">
-                <a16:creationId xmlns:a16="http://schemas.microsoft.com/office/drawing/2014/main" id="{82F67291-BF39-A509-3E3B-496F53744C88}"/>
+                <a16:creationId xmlns:a16="http://schemas.microsoft.com/office/drawing/2014/main" id="{50A7459B-B929-A389-E8D8-73A3007E66A8}"/>
               </a:ext>
             </a:extLst>
           </p:cNvPr>
@@ -306,7 +306,7 @@
           <a:bodyPr/>
           <a:lstStyle/>
           <a:p>
-            <a:fld id="{9AFA91B4-E579-4B14-816A-A0DE69D4A4B2}" type="slidenum">
+            <a:fld id="{0D7ED1DA-FDE6-4004-B9B7-CA1B511EBACC}" type="slidenum">
               <a:rPr lang="zh-CN" altLang="en-US" smtClean="0"/>
               <a:t>‹#›</a:t>
             </a:fld>
@@ -317,7 +317,7 @@
     </p:spTree>
     <p:extLst>
       <p:ext uri="{BB962C8B-B14F-4D97-AF65-F5344CB8AC3E}">
-        <p14:creationId xmlns:p14="http://schemas.microsoft.com/office/powerpoint/2010/main" val="834953384"/>
+        <p14:creationId xmlns:p14="http://schemas.microsoft.com/office/powerpoint/2010/main" val="4234809076"/>
       </p:ext>
     </p:extLst>
   </p:cSld>
@@ -349,7 +349,7 @@
           <p:cNvPr id="2" name="标题 1">
             <a:extLst>
               <a:ext uri="{FF2B5EF4-FFF2-40B4-BE49-F238E27FC236}">
-                <a16:creationId xmlns:a16="http://schemas.microsoft.com/office/drawing/2014/main" id="{5D3DF013-AACC-EA4F-E4E0-25E6EDBEE6DE}"/>
+                <a16:creationId xmlns:a16="http://schemas.microsoft.com/office/drawing/2014/main" id="{5E8351CB-D663-5AC6-DA97-F0CA98D5FBCA}"/>
               </a:ext>
             </a:extLst>
           </p:cNvPr>
@@ -377,7 +377,7 @@
           <p:cNvPr id="3" name="竖排文字占位符 2">
             <a:extLst>
               <a:ext uri="{FF2B5EF4-FFF2-40B4-BE49-F238E27FC236}">
-                <a16:creationId xmlns:a16="http://schemas.microsoft.com/office/drawing/2014/main" id="{8CF3B6FD-68CA-4BBB-87E7-48C969AC83D6}"/>
+                <a16:creationId xmlns:a16="http://schemas.microsoft.com/office/drawing/2014/main" id="{94CBBF7F-439A-B011-C1B2-F55765EA0EC8}"/>
               </a:ext>
             </a:extLst>
           </p:cNvPr>
@@ -434,7 +434,7 @@
           <p:cNvPr id="4" name="日期占位符 3">
             <a:extLst>
               <a:ext uri="{FF2B5EF4-FFF2-40B4-BE49-F238E27FC236}">
-                <a16:creationId xmlns:a16="http://schemas.microsoft.com/office/drawing/2014/main" id="{93128C6D-1333-234D-49F1-8FF0DA1A9B5D}"/>
+                <a16:creationId xmlns:a16="http://schemas.microsoft.com/office/drawing/2014/main" id="{67EC7667-B9BA-EF53-BB8C-441EE9965E09}"/>
               </a:ext>
             </a:extLst>
           </p:cNvPr>
@@ -450,7 +450,7 @@
           <a:bodyPr/>
           <a:lstStyle/>
           <a:p>
-            <a:fld id="{647EEC0E-DE52-448E-A72F-270887C1E4DE}" type="datetimeFigureOut">
+            <a:fld id="{6A798656-BBBC-48CE-8814-336C531A3001}" type="datetimeFigureOut">
               <a:rPr lang="zh-CN" altLang="en-US" smtClean="0"/>
               <a:t>2024/3/10</a:t>
             </a:fld>
@@ -463,7 +463,7 @@
           <p:cNvPr id="5" name="页脚占位符 4">
             <a:extLst>
               <a:ext uri="{FF2B5EF4-FFF2-40B4-BE49-F238E27FC236}">
-                <a16:creationId xmlns:a16="http://schemas.microsoft.com/office/drawing/2014/main" id="{62D5CDDD-6B68-4512-6FB1-26C592DF5EC8}"/>
+                <a16:creationId xmlns:a16="http://schemas.microsoft.com/office/drawing/2014/main" id="{3F58485D-7B67-9C14-90DA-5A4699B378DA}"/>
               </a:ext>
             </a:extLst>
           </p:cNvPr>
@@ -488,7 +488,7 @@
           <p:cNvPr id="6" name="灯片编号占位符 5">
             <a:extLst>
               <a:ext uri="{FF2B5EF4-FFF2-40B4-BE49-F238E27FC236}">
-                <a16:creationId xmlns:a16="http://schemas.microsoft.com/office/drawing/2014/main" id="{20410CF3-2138-F2E2-91D8-78598B2DC804}"/>
+                <a16:creationId xmlns:a16="http://schemas.microsoft.com/office/drawing/2014/main" id="{3D680E7A-A5E3-C34F-1567-B9E731F953D2}"/>
               </a:ext>
             </a:extLst>
           </p:cNvPr>
@@ -504,7 +504,7 @@
           <a:bodyPr/>
           <a:lstStyle/>
           <a:p>
-            <a:fld id="{9AFA91B4-E579-4B14-816A-A0DE69D4A4B2}" type="slidenum">
+            <a:fld id="{0D7ED1DA-FDE6-4004-B9B7-CA1B511EBACC}" type="slidenum">
               <a:rPr lang="zh-CN" altLang="en-US" smtClean="0"/>
               <a:t>‹#›</a:t>
             </a:fld>
@@ -515,7 +515,7 @@
     </p:spTree>
     <p:extLst>
       <p:ext uri="{BB962C8B-B14F-4D97-AF65-F5344CB8AC3E}">
-        <p14:creationId xmlns:p14="http://schemas.microsoft.com/office/powerpoint/2010/main" val="2853768885"/>
+        <p14:creationId xmlns:p14="http://schemas.microsoft.com/office/powerpoint/2010/main" val="1031485233"/>
       </p:ext>
     </p:extLst>
   </p:cSld>
@@ -547,7 +547,7 @@
           <p:cNvPr id="2" name="竖排标题 1">
             <a:extLst>
               <a:ext uri="{FF2B5EF4-FFF2-40B4-BE49-F238E27FC236}">
-                <a16:creationId xmlns:a16="http://schemas.microsoft.com/office/drawing/2014/main" id="{3BC106E2-CFEF-3D1A-FCE2-7C6F21D67EA5}"/>
+                <a16:creationId xmlns:a16="http://schemas.microsoft.com/office/drawing/2014/main" id="{9B2F2B24-ABB6-8FB3-2A65-7ED601D9860D}"/>
               </a:ext>
             </a:extLst>
           </p:cNvPr>
@@ -580,7 +580,7 @@
           <p:cNvPr id="3" name="竖排文字占位符 2">
             <a:extLst>
               <a:ext uri="{FF2B5EF4-FFF2-40B4-BE49-F238E27FC236}">
-                <a16:creationId xmlns:a16="http://schemas.microsoft.com/office/drawing/2014/main" id="{4DE6B4FE-9691-62C6-C98E-33AA088F2696}"/>
+                <a16:creationId xmlns:a16="http://schemas.microsoft.com/office/drawing/2014/main" id="{F640979A-9550-A368-5457-A5185BE6B8DD}"/>
               </a:ext>
             </a:extLst>
           </p:cNvPr>
@@ -642,7 +642,7 @@
           <p:cNvPr id="4" name="日期占位符 3">
             <a:extLst>
               <a:ext uri="{FF2B5EF4-FFF2-40B4-BE49-F238E27FC236}">
-                <a16:creationId xmlns:a16="http://schemas.microsoft.com/office/drawing/2014/main" id="{266BA32B-FF06-E4E2-9333-AD11E59419B6}"/>
+                <a16:creationId xmlns:a16="http://schemas.microsoft.com/office/drawing/2014/main" id="{933DBDCD-9B0A-17D5-BFCD-4A73A97447EA}"/>
               </a:ext>
             </a:extLst>
           </p:cNvPr>
@@ -658,7 +658,7 @@
           <a:bodyPr/>
           <a:lstStyle/>
           <a:p>
-            <a:fld id="{647EEC0E-DE52-448E-A72F-270887C1E4DE}" type="datetimeFigureOut">
+            <a:fld id="{6A798656-BBBC-48CE-8814-336C531A3001}" type="datetimeFigureOut">
               <a:rPr lang="zh-CN" altLang="en-US" smtClean="0"/>
               <a:t>2024/3/10</a:t>
             </a:fld>
@@ -671,7 +671,7 @@
           <p:cNvPr id="5" name="页脚占位符 4">
             <a:extLst>
               <a:ext uri="{FF2B5EF4-FFF2-40B4-BE49-F238E27FC236}">
-                <a16:creationId xmlns:a16="http://schemas.microsoft.com/office/drawing/2014/main" id="{A6172820-BF3B-0388-8EC8-C7AA524D2E96}"/>
+                <a16:creationId xmlns:a16="http://schemas.microsoft.com/office/drawing/2014/main" id="{9A384269-C792-F86C-2FBF-15DDCA1E228E}"/>
               </a:ext>
             </a:extLst>
           </p:cNvPr>
@@ -696,7 +696,7 @@
           <p:cNvPr id="6" name="灯片编号占位符 5">
             <a:extLst>
               <a:ext uri="{FF2B5EF4-FFF2-40B4-BE49-F238E27FC236}">
-                <a16:creationId xmlns:a16="http://schemas.microsoft.com/office/drawing/2014/main" id="{01121885-FD2C-1415-3ECC-529F78691108}"/>
+                <a16:creationId xmlns:a16="http://schemas.microsoft.com/office/drawing/2014/main" id="{BA7F50EC-5A3A-C51B-38FE-184247B85290}"/>
               </a:ext>
             </a:extLst>
           </p:cNvPr>
@@ -712,7 +712,7 @@
           <a:bodyPr/>
           <a:lstStyle/>
           <a:p>
-            <a:fld id="{9AFA91B4-E579-4B14-816A-A0DE69D4A4B2}" type="slidenum">
+            <a:fld id="{0D7ED1DA-FDE6-4004-B9B7-CA1B511EBACC}" type="slidenum">
               <a:rPr lang="zh-CN" altLang="en-US" smtClean="0"/>
               <a:t>‹#›</a:t>
             </a:fld>
@@ -723,7 +723,7 @@
     </p:spTree>
     <p:extLst>
       <p:ext uri="{BB962C8B-B14F-4D97-AF65-F5344CB8AC3E}">
-        <p14:creationId xmlns:p14="http://schemas.microsoft.com/office/powerpoint/2010/main" val="4048470524"/>
+        <p14:creationId xmlns:p14="http://schemas.microsoft.com/office/powerpoint/2010/main" val="3224740025"/>
       </p:ext>
     </p:extLst>
   </p:cSld>
@@ -755,7 +755,7 @@
           <p:cNvPr id="2" name="标题 1">
             <a:extLst>
               <a:ext uri="{FF2B5EF4-FFF2-40B4-BE49-F238E27FC236}">
-                <a16:creationId xmlns:a16="http://schemas.microsoft.com/office/drawing/2014/main" id="{583C437E-0CC8-D625-B27A-87D171FE9E5C}"/>
+                <a16:creationId xmlns:a16="http://schemas.microsoft.com/office/drawing/2014/main" id="{56623E92-3F20-EA3D-51C4-2C4E4D5B7681}"/>
               </a:ext>
             </a:extLst>
           </p:cNvPr>
@@ -783,7 +783,7 @@
           <p:cNvPr id="3" name="内容占位符 2">
             <a:extLst>
               <a:ext uri="{FF2B5EF4-FFF2-40B4-BE49-F238E27FC236}">
-                <a16:creationId xmlns:a16="http://schemas.microsoft.com/office/drawing/2014/main" id="{70E65CE5-F3A5-0B63-21B2-30E0F344618B}"/>
+                <a16:creationId xmlns:a16="http://schemas.microsoft.com/office/drawing/2014/main" id="{53681DEF-BBE5-307E-ED2F-714817850BB2}"/>
               </a:ext>
             </a:extLst>
           </p:cNvPr>
@@ -840,7 +840,7 @@
           <p:cNvPr id="4" name="日期占位符 3">
             <a:extLst>
               <a:ext uri="{FF2B5EF4-FFF2-40B4-BE49-F238E27FC236}">
-                <a16:creationId xmlns:a16="http://schemas.microsoft.com/office/drawing/2014/main" id="{A4D7FA07-8EC2-8FB3-0CD1-D139E7575964}"/>
+                <a16:creationId xmlns:a16="http://schemas.microsoft.com/office/drawing/2014/main" id="{F47B61E5-43DB-ABA6-67DE-76807FB610D7}"/>
               </a:ext>
             </a:extLst>
           </p:cNvPr>
@@ -856,7 +856,7 @@
           <a:bodyPr/>
           <a:lstStyle/>
           <a:p>
-            <a:fld id="{647EEC0E-DE52-448E-A72F-270887C1E4DE}" type="datetimeFigureOut">
+            <a:fld id="{6A798656-BBBC-48CE-8814-336C531A3001}" type="datetimeFigureOut">
               <a:rPr lang="zh-CN" altLang="en-US" smtClean="0"/>
               <a:t>2024/3/10</a:t>
             </a:fld>
@@ -869,7 +869,7 @@
           <p:cNvPr id="5" name="页脚占位符 4">
             <a:extLst>
               <a:ext uri="{FF2B5EF4-FFF2-40B4-BE49-F238E27FC236}">
-                <a16:creationId xmlns:a16="http://schemas.microsoft.com/office/drawing/2014/main" id="{9624C4B5-2757-26B6-70DE-C141003AA273}"/>
+                <a16:creationId xmlns:a16="http://schemas.microsoft.com/office/drawing/2014/main" id="{B37F32EB-0BB3-CF19-A738-235AF571898F}"/>
               </a:ext>
             </a:extLst>
           </p:cNvPr>
@@ -894,7 +894,7 @@
           <p:cNvPr id="6" name="灯片编号占位符 5">
             <a:extLst>
               <a:ext uri="{FF2B5EF4-FFF2-40B4-BE49-F238E27FC236}">
-                <a16:creationId xmlns:a16="http://schemas.microsoft.com/office/drawing/2014/main" id="{009BAAC7-BC03-3987-48B3-4BCD1EAF5A58}"/>
+                <a16:creationId xmlns:a16="http://schemas.microsoft.com/office/drawing/2014/main" id="{38CA4AE1-9F44-A98A-D18E-79DA31C4CE64}"/>
               </a:ext>
             </a:extLst>
           </p:cNvPr>
@@ -910,7 +910,7 @@
           <a:bodyPr/>
           <a:lstStyle/>
           <a:p>
-            <a:fld id="{9AFA91B4-E579-4B14-816A-A0DE69D4A4B2}" type="slidenum">
+            <a:fld id="{0D7ED1DA-FDE6-4004-B9B7-CA1B511EBACC}" type="slidenum">
               <a:rPr lang="zh-CN" altLang="en-US" smtClean="0"/>
               <a:t>‹#›</a:t>
             </a:fld>
@@ -921,7 +921,7 @@
     </p:spTree>
     <p:extLst>
       <p:ext uri="{BB962C8B-B14F-4D97-AF65-F5344CB8AC3E}">
-        <p14:creationId xmlns:p14="http://schemas.microsoft.com/office/powerpoint/2010/main" val="488465798"/>
+        <p14:creationId xmlns:p14="http://schemas.microsoft.com/office/powerpoint/2010/main" val="1176441783"/>
       </p:ext>
     </p:extLst>
   </p:cSld>
@@ -953,7 +953,7 @@
           <p:cNvPr id="2" name="标题 1">
             <a:extLst>
               <a:ext uri="{FF2B5EF4-FFF2-40B4-BE49-F238E27FC236}">
-                <a16:creationId xmlns:a16="http://schemas.microsoft.com/office/drawing/2014/main" id="{9B210D5B-3AF0-6421-AF42-8321F5D5EDD2}"/>
+                <a16:creationId xmlns:a16="http://schemas.microsoft.com/office/drawing/2014/main" id="{9F964C77-5FC0-BF0A-D1F0-2D8AA196CCD8}"/>
               </a:ext>
             </a:extLst>
           </p:cNvPr>
@@ -990,7 +990,7 @@
           <p:cNvPr id="3" name="文本占位符 2">
             <a:extLst>
               <a:ext uri="{FF2B5EF4-FFF2-40B4-BE49-F238E27FC236}">
-                <a16:creationId xmlns:a16="http://schemas.microsoft.com/office/drawing/2014/main" id="{C23A86B4-1773-81E2-0475-0D4AAA8A5BDF}"/>
+                <a16:creationId xmlns:a16="http://schemas.microsoft.com/office/drawing/2014/main" id="{693BA475-0A7D-8E76-B06C-7742CD283264}"/>
               </a:ext>
             </a:extLst>
           </p:cNvPr>
@@ -1115,7 +1115,7 @@
           <p:cNvPr id="4" name="日期占位符 3">
             <a:extLst>
               <a:ext uri="{FF2B5EF4-FFF2-40B4-BE49-F238E27FC236}">
-                <a16:creationId xmlns:a16="http://schemas.microsoft.com/office/drawing/2014/main" id="{FE064FD3-CFD6-B9E6-3ADE-63A08895473F}"/>
+                <a16:creationId xmlns:a16="http://schemas.microsoft.com/office/drawing/2014/main" id="{5D149537-D98C-200B-8C9B-89D8723CEA61}"/>
               </a:ext>
             </a:extLst>
           </p:cNvPr>
@@ -1131,7 +1131,7 @@
           <a:bodyPr/>
           <a:lstStyle/>
           <a:p>
-            <a:fld id="{647EEC0E-DE52-448E-A72F-270887C1E4DE}" type="datetimeFigureOut">
+            <a:fld id="{6A798656-BBBC-48CE-8814-336C531A3001}" type="datetimeFigureOut">
               <a:rPr lang="zh-CN" altLang="en-US" smtClean="0"/>
               <a:t>2024/3/10</a:t>
             </a:fld>
@@ -1144,7 +1144,7 @@
           <p:cNvPr id="5" name="页脚占位符 4">
             <a:extLst>
               <a:ext uri="{FF2B5EF4-FFF2-40B4-BE49-F238E27FC236}">
-                <a16:creationId xmlns:a16="http://schemas.microsoft.com/office/drawing/2014/main" id="{E2AD3D08-8CD1-8341-8960-8E5393454B4B}"/>
+                <a16:creationId xmlns:a16="http://schemas.microsoft.com/office/drawing/2014/main" id="{2CD3C8CB-2A40-EDD8-D83E-B43FF61D9163}"/>
               </a:ext>
             </a:extLst>
           </p:cNvPr>
@@ -1169,7 +1169,7 @@
           <p:cNvPr id="6" name="灯片编号占位符 5">
             <a:extLst>
               <a:ext uri="{FF2B5EF4-FFF2-40B4-BE49-F238E27FC236}">
-                <a16:creationId xmlns:a16="http://schemas.microsoft.com/office/drawing/2014/main" id="{2BCA5656-09E7-1938-BA6E-F41CC9B03EC1}"/>
+                <a16:creationId xmlns:a16="http://schemas.microsoft.com/office/drawing/2014/main" id="{CAC7219B-84AC-6996-B6C1-21BFAA653E92}"/>
               </a:ext>
             </a:extLst>
           </p:cNvPr>
@@ -1185,7 +1185,7 @@
           <a:bodyPr/>
           <a:lstStyle/>
           <a:p>
-            <a:fld id="{9AFA91B4-E579-4B14-816A-A0DE69D4A4B2}" type="slidenum">
+            <a:fld id="{0D7ED1DA-FDE6-4004-B9B7-CA1B511EBACC}" type="slidenum">
               <a:rPr lang="zh-CN" altLang="en-US" smtClean="0"/>
               <a:t>‹#›</a:t>
             </a:fld>
@@ -1196,7 +1196,7 @@
     </p:spTree>
     <p:extLst>
       <p:ext uri="{BB962C8B-B14F-4D97-AF65-F5344CB8AC3E}">
-        <p14:creationId xmlns:p14="http://schemas.microsoft.com/office/powerpoint/2010/main" val="3912097461"/>
+        <p14:creationId xmlns:p14="http://schemas.microsoft.com/office/powerpoint/2010/main" val="3050201688"/>
       </p:ext>
     </p:extLst>
   </p:cSld>
@@ -1228,7 +1228,7 @@
           <p:cNvPr id="2" name="标题 1">
             <a:extLst>
               <a:ext uri="{FF2B5EF4-FFF2-40B4-BE49-F238E27FC236}">
-                <a16:creationId xmlns:a16="http://schemas.microsoft.com/office/drawing/2014/main" id="{1294D4BE-A5C9-B198-00B8-7B5B53B4F0F6}"/>
+                <a16:creationId xmlns:a16="http://schemas.microsoft.com/office/drawing/2014/main" id="{3A199464-DD54-F5DE-C00B-75F1A620CEB2}"/>
               </a:ext>
             </a:extLst>
           </p:cNvPr>
@@ -1256,7 +1256,7 @@
           <p:cNvPr id="3" name="内容占位符 2">
             <a:extLst>
               <a:ext uri="{FF2B5EF4-FFF2-40B4-BE49-F238E27FC236}">
-                <a16:creationId xmlns:a16="http://schemas.microsoft.com/office/drawing/2014/main" id="{03E4D321-4F00-9398-97E6-E0D4F3614C3E}"/>
+                <a16:creationId xmlns:a16="http://schemas.microsoft.com/office/drawing/2014/main" id="{204C14A3-8A87-343C-E18C-54C541054194}"/>
               </a:ext>
             </a:extLst>
           </p:cNvPr>
@@ -1318,7 +1318,7 @@
           <p:cNvPr id="4" name="内容占位符 3">
             <a:extLst>
               <a:ext uri="{FF2B5EF4-FFF2-40B4-BE49-F238E27FC236}">
-                <a16:creationId xmlns:a16="http://schemas.microsoft.com/office/drawing/2014/main" id="{158D57E6-A802-A7BC-8CDD-CD7470001D57}"/>
+                <a16:creationId xmlns:a16="http://schemas.microsoft.com/office/drawing/2014/main" id="{69012B2B-FEDF-8E30-808D-C2F17B500418}"/>
               </a:ext>
             </a:extLst>
           </p:cNvPr>
@@ -1380,7 +1380,7 @@
           <p:cNvPr id="5" name="日期占位符 4">
             <a:extLst>
               <a:ext uri="{FF2B5EF4-FFF2-40B4-BE49-F238E27FC236}">
-                <a16:creationId xmlns:a16="http://schemas.microsoft.com/office/drawing/2014/main" id="{B26BAC19-6A12-EB49-3632-08964B1D8254}"/>
+                <a16:creationId xmlns:a16="http://schemas.microsoft.com/office/drawing/2014/main" id="{98613661-6AAC-CFDE-E54E-C6E03F4AB7D6}"/>
               </a:ext>
             </a:extLst>
           </p:cNvPr>
@@ -1396,7 +1396,7 @@
           <a:bodyPr/>
           <a:lstStyle/>
           <a:p>
-            <a:fld id="{647EEC0E-DE52-448E-A72F-270887C1E4DE}" type="datetimeFigureOut">
+            <a:fld id="{6A798656-BBBC-48CE-8814-336C531A3001}" type="datetimeFigureOut">
               <a:rPr lang="zh-CN" altLang="en-US" smtClean="0"/>
               <a:t>2024/3/10</a:t>
             </a:fld>
@@ -1409,7 +1409,7 @@
           <p:cNvPr id="6" name="页脚占位符 5">
             <a:extLst>
               <a:ext uri="{FF2B5EF4-FFF2-40B4-BE49-F238E27FC236}">
-                <a16:creationId xmlns:a16="http://schemas.microsoft.com/office/drawing/2014/main" id="{696D0162-3269-A7F5-02B6-48A939340B43}"/>
+                <a16:creationId xmlns:a16="http://schemas.microsoft.com/office/drawing/2014/main" id="{A289283C-9D77-1409-6CB0-5F91C71D01D2}"/>
               </a:ext>
             </a:extLst>
           </p:cNvPr>
@@ -1434,7 +1434,7 @@
           <p:cNvPr id="7" name="灯片编号占位符 6">
             <a:extLst>
               <a:ext uri="{FF2B5EF4-FFF2-40B4-BE49-F238E27FC236}">
-                <a16:creationId xmlns:a16="http://schemas.microsoft.com/office/drawing/2014/main" id="{26C5890D-65B3-5D36-8E48-56B2E4CD4F08}"/>
+                <a16:creationId xmlns:a16="http://schemas.microsoft.com/office/drawing/2014/main" id="{478B121E-391B-F330-5F2A-EE3E2D5CAB77}"/>
               </a:ext>
             </a:extLst>
           </p:cNvPr>
@@ -1450,7 +1450,7 @@
           <a:bodyPr/>
           <a:lstStyle/>
           <a:p>
-            <a:fld id="{9AFA91B4-E579-4B14-816A-A0DE69D4A4B2}" type="slidenum">
+            <a:fld id="{0D7ED1DA-FDE6-4004-B9B7-CA1B511EBACC}" type="slidenum">
               <a:rPr lang="zh-CN" altLang="en-US" smtClean="0"/>
               <a:t>‹#›</a:t>
             </a:fld>
@@ -1461,7 +1461,7 @@
     </p:spTree>
     <p:extLst>
       <p:ext uri="{BB962C8B-B14F-4D97-AF65-F5344CB8AC3E}">
-        <p14:creationId xmlns:p14="http://schemas.microsoft.com/office/powerpoint/2010/main" val="4225625845"/>
+        <p14:creationId xmlns:p14="http://schemas.microsoft.com/office/powerpoint/2010/main" val="3347204746"/>
       </p:ext>
     </p:extLst>
   </p:cSld>
@@ -1493,7 +1493,7 @@
           <p:cNvPr id="2" name="标题 1">
             <a:extLst>
               <a:ext uri="{FF2B5EF4-FFF2-40B4-BE49-F238E27FC236}">
-                <a16:creationId xmlns:a16="http://schemas.microsoft.com/office/drawing/2014/main" id="{5EB7CE8E-784C-501E-BA76-07C2B43DEC29}"/>
+                <a16:creationId xmlns:a16="http://schemas.microsoft.com/office/drawing/2014/main" id="{66B46329-2A0E-E7F8-DF77-CF4D4648A575}"/>
               </a:ext>
             </a:extLst>
           </p:cNvPr>
@@ -1526,7 +1526,7 @@
           <p:cNvPr id="3" name="文本占位符 2">
             <a:extLst>
               <a:ext uri="{FF2B5EF4-FFF2-40B4-BE49-F238E27FC236}">
-                <a16:creationId xmlns:a16="http://schemas.microsoft.com/office/drawing/2014/main" id="{E2EBE331-65B9-FB9E-B31F-70A4104B69AA}"/>
+                <a16:creationId xmlns:a16="http://schemas.microsoft.com/office/drawing/2014/main" id="{035B59E2-B35F-87E2-E92F-EFB2B645A02B}"/>
               </a:ext>
             </a:extLst>
           </p:cNvPr>
@@ -1597,7 +1597,7 @@
           <p:cNvPr id="4" name="内容占位符 3">
             <a:extLst>
               <a:ext uri="{FF2B5EF4-FFF2-40B4-BE49-F238E27FC236}">
-                <a16:creationId xmlns:a16="http://schemas.microsoft.com/office/drawing/2014/main" id="{26FAB07E-6ABD-39F6-A35F-FBA3AC519444}"/>
+                <a16:creationId xmlns:a16="http://schemas.microsoft.com/office/drawing/2014/main" id="{0F479C43-688C-2219-4C8B-DB9BC22E0513}"/>
               </a:ext>
             </a:extLst>
           </p:cNvPr>
@@ -1659,7 +1659,7 @@
           <p:cNvPr id="5" name="文本占位符 4">
             <a:extLst>
               <a:ext uri="{FF2B5EF4-FFF2-40B4-BE49-F238E27FC236}">
-                <a16:creationId xmlns:a16="http://schemas.microsoft.com/office/drawing/2014/main" id="{1EBA2B42-4126-1EAE-31C2-F2159FAC93BA}"/>
+                <a16:creationId xmlns:a16="http://schemas.microsoft.com/office/drawing/2014/main" id="{A597BC3E-277E-387D-8F41-2D0D77222615}"/>
               </a:ext>
             </a:extLst>
           </p:cNvPr>
@@ -1730,7 +1730,7 @@
           <p:cNvPr id="6" name="内容占位符 5">
             <a:extLst>
               <a:ext uri="{FF2B5EF4-FFF2-40B4-BE49-F238E27FC236}">
-                <a16:creationId xmlns:a16="http://schemas.microsoft.com/office/drawing/2014/main" id="{140A80AD-B216-FC30-8E0D-7187370F3884}"/>
+                <a16:creationId xmlns:a16="http://schemas.microsoft.com/office/drawing/2014/main" id="{57D518AC-5593-B797-7666-D113010D2A72}"/>
               </a:ext>
             </a:extLst>
           </p:cNvPr>
@@ -1792,7 +1792,7 @@
           <p:cNvPr id="7" name="日期占位符 6">
             <a:extLst>
               <a:ext uri="{FF2B5EF4-FFF2-40B4-BE49-F238E27FC236}">
-                <a16:creationId xmlns:a16="http://schemas.microsoft.com/office/drawing/2014/main" id="{F99C132E-D8C3-B6C1-4A66-6F5F61796413}"/>
+                <a16:creationId xmlns:a16="http://schemas.microsoft.com/office/drawing/2014/main" id="{DA07F645-A7AF-49EE-14EF-634B295EFE19}"/>
               </a:ext>
             </a:extLst>
           </p:cNvPr>
@@ -1808,7 +1808,7 @@
           <a:bodyPr/>
           <a:lstStyle/>
           <a:p>
-            <a:fld id="{647EEC0E-DE52-448E-A72F-270887C1E4DE}" type="datetimeFigureOut">
+            <a:fld id="{6A798656-BBBC-48CE-8814-336C531A3001}" type="datetimeFigureOut">
               <a:rPr lang="zh-CN" altLang="en-US" smtClean="0"/>
               <a:t>2024/3/10</a:t>
             </a:fld>
@@ -1821,7 +1821,7 @@
           <p:cNvPr id="8" name="页脚占位符 7">
             <a:extLst>
               <a:ext uri="{FF2B5EF4-FFF2-40B4-BE49-F238E27FC236}">
-                <a16:creationId xmlns:a16="http://schemas.microsoft.com/office/drawing/2014/main" id="{CECCE167-A0A8-E19F-C326-064C5848C772}"/>
+                <a16:creationId xmlns:a16="http://schemas.microsoft.com/office/drawing/2014/main" id="{29833095-7C57-5375-5D1A-C42E43592E2C}"/>
               </a:ext>
             </a:extLst>
           </p:cNvPr>
@@ -1846,7 +1846,7 @@
           <p:cNvPr id="9" name="灯片编号占位符 8">
             <a:extLst>
               <a:ext uri="{FF2B5EF4-FFF2-40B4-BE49-F238E27FC236}">
-                <a16:creationId xmlns:a16="http://schemas.microsoft.com/office/drawing/2014/main" id="{5C78534B-4592-3BF4-880E-22A766AFBFC6}"/>
+                <a16:creationId xmlns:a16="http://schemas.microsoft.com/office/drawing/2014/main" id="{A39ECEED-5231-C9B6-189D-EE17D40F9EC1}"/>
               </a:ext>
             </a:extLst>
           </p:cNvPr>
@@ -1862,7 +1862,7 @@
           <a:bodyPr/>
           <a:lstStyle/>
           <a:p>
-            <a:fld id="{9AFA91B4-E579-4B14-816A-A0DE69D4A4B2}" type="slidenum">
+            <a:fld id="{0D7ED1DA-FDE6-4004-B9B7-CA1B511EBACC}" type="slidenum">
               <a:rPr lang="zh-CN" altLang="en-US" smtClean="0"/>
               <a:t>‹#›</a:t>
             </a:fld>
@@ -1873,7 +1873,7 @@
     </p:spTree>
     <p:extLst>
       <p:ext uri="{BB962C8B-B14F-4D97-AF65-F5344CB8AC3E}">
-        <p14:creationId xmlns:p14="http://schemas.microsoft.com/office/powerpoint/2010/main" val="602853802"/>
+        <p14:creationId xmlns:p14="http://schemas.microsoft.com/office/powerpoint/2010/main" val="3386312099"/>
       </p:ext>
     </p:extLst>
   </p:cSld>
@@ -1905,7 +1905,7 @@
           <p:cNvPr id="2" name="标题 1">
             <a:extLst>
               <a:ext uri="{FF2B5EF4-FFF2-40B4-BE49-F238E27FC236}">
-                <a16:creationId xmlns:a16="http://schemas.microsoft.com/office/drawing/2014/main" id="{7831F0EE-E94F-3D99-36B7-B66997BD4227}"/>
+                <a16:creationId xmlns:a16="http://schemas.microsoft.com/office/drawing/2014/main" id="{FA1504AF-4B7B-F067-84D8-77417E09E952}"/>
               </a:ext>
             </a:extLst>
           </p:cNvPr>
@@ -1933,7 +1933,7 @@
           <p:cNvPr id="3" name="日期占位符 2">
             <a:extLst>
               <a:ext uri="{FF2B5EF4-FFF2-40B4-BE49-F238E27FC236}">
-                <a16:creationId xmlns:a16="http://schemas.microsoft.com/office/drawing/2014/main" id="{4E1B3677-C875-4BF1-9A6A-C796DE5CF6E7}"/>
+                <a16:creationId xmlns:a16="http://schemas.microsoft.com/office/drawing/2014/main" id="{31D2FA64-074D-68A9-83BD-6959AC3CE4F8}"/>
               </a:ext>
             </a:extLst>
           </p:cNvPr>
@@ -1949,7 +1949,7 @@
           <a:bodyPr/>
           <a:lstStyle/>
           <a:p>
-            <a:fld id="{647EEC0E-DE52-448E-A72F-270887C1E4DE}" type="datetimeFigureOut">
+            <a:fld id="{6A798656-BBBC-48CE-8814-336C531A3001}" type="datetimeFigureOut">
               <a:rPr lang="zh-CN" altLang="en-US" smtClean="0"/>
               <a:t>2024/3/10</a:t>
             </a:fld>
@@ -1962,7 +1962,7 @@
           <p:cNvPr id="4" name="页脚占位符 3">
             <a:extLst>
               <a:ext uri="{FF2B5EF4-FFF2-40B4-BE49-F238E27FC236}">
-                <a16:creationId xmlns:a16="http://schemas.microsoft.com/office/drawing/2014/main" id="{7BCC5EB1-FDBA-BC9B-8757-18899CF4E213}"/>
+                <a16:creationId xmlns:a16="http://schemas.microsoft.com/office/drawing/2014/main" id="{3BB9F3A3-08B2-4784-A725-9424E0F80241}"/>
               </a:ext>
             </a:extLst>
           </p:cNvPr>
@@ -1987,7 +1987,7 @@
           <p:cNvPr id="5" name="灯片编号占位符 4">
             <a:extLst>
               <a:ext uri="{FF2B5EF4-FFF2-40B4-BE49-F238E27FC236}">
-                <a16:creationId xmlns:a16="http://schemas.microsoft.com/office/drawing/2014/main" id="{F9020929-C25A-2156-E3FD-55EF00CB9DF2}"/>
+                <a16:creationId xmlns:a16="http://schemas.microsoft.com/office/drawing/2014/main" id="{00782FA4-B8F7-D387-2A5D-55364449BDD0}"/>
               </a:ext>
             </a:extLst>
           </p:cNvPr>
@@ -2003,7 +2003,7 @@
           <a:bodyPr/>
           <a:lstStyle/>
           <a:p>
-            <a:fld id="{9AFA91B4-E579-4B14-816A-A0DE69D4A4B2}" type="slidenum">
+            <a:fld id="{0D7ED1DA-FDE6-4004-B9B7-CA1B511EBACC}" type="slidenum">
               <a:rPr lang="zh-CN" altLang="en-US" smtClean="0"/>
               <a:t>‹#›</a:t>
             </a:fld>
@@ -2014,7 +2014,7 @@
     </p:spTree>
     <p:extLst>
       <p:ext uri="{BB962C8B-B14F-4D97-AF65-F5344CB8AC3E}">
-        <p14:creationId xmlns:p14="http://schemas.microsoft.com/office/powerpoint/2010/main" val="641610469"/>
+        <p14:creationId xmlns:p14="http://schemas.microsoft.com/office/powerpoint/2010/main" val="683526779"/>
       </p:ext>
     </p:extLst>
   </p:cSld>
@@ -2046,7 +2046,7 @@
           <p:cNvPr id="2" name="日期占位符 1">
             <a:extLst>
               <a:ext uri="{FF2B5EF4-FFF2-40B4-BE49-F238E27FC236}">
-                <a16:creationId xmlns:a16="http://schemas.microsoft.com/office/drawing/2014/main" id="{18F4B9C0-EC3F-4C0B-E9A7-F58B98816E31}"/>
+                <a16:creationId xmlns:a16="http://schemas.microsoft.com/office/drawing/2014/main" id="{C0589F7B-41F6-B591-702D-358A587B6884}"/>
               </a:ext>
             </a:extLst>
           </p:cNvPr>
@@ -2062,7 +2062,7 @@
           <a:bodyPr/>
           <a:lstStyle/>
           <a:p>
-            <a:fld id="{647EEC0E-DE52-448E-A72F-270887C1E4DE}" type="datetimeFigureOut">
+            <a:fld id="{6A798656-BBBC-48CE-8814-336C531A3001}" type="datetimeFigureOut">
               <a:rPr lang="zh-CN" altLang="en-US" smtClean="0"/>
               <a:t>2024/3/10</a:t>
             </a:fld>
@@ -2075,7 +2075,7 @@
           <p:cNvPr id="3" name="页脚占位符 2">
             <a:extLst>
               <a:ext uri="{FF2B5EF4-FFF2-40B4-BE49-F238E27FC236}">
-                <a16:creationId xmlns:a16="http://schemas.microsoft.com/office/drawing/2014/main" id="{B0428BEB-604B-7299-3A47-D287E654667A}"/>
+                <a16:creationId xmlns:a16="http://schemas.microsoft.com/office/drawing/2014/main" id="{CCDF4AD8-0340-432D-8031-8882C0DA3EF4}"/>
               </a:ext>
             </a:extLst>
           </p:cNvPr>
@@ -2100,7 +2100,7 @@
           <p:cNvPr id="4" name="灯片编号占位符 3">
             <a:extLst>
               <a:ext uri="{FF2B5EF4-FFF2-40B4-BE49-F238E27FC236}">
-                <a16:creationId xmlns:a16="http://schemas.microsoft.com/office/drawing/2014/main" id="{A7F59728-602C-D709-3CA3-BE37669EDBF4}"/>
+                <a16:creationId xmlns:a16="http://schemas.microsoft.com/office/drawing/2014/main" id="{1509E89C-D3E6-ADDB-CDB1-C4BD556B3C91}"/>
               </a:ext>
             </a:extLst>
           </p:cNvPr>
@@ -2116,7 +2116,7 @@
           <a:bodyPr/>
           <a:lstStyle/>
           <a:p>
-            <a:fld id="{9AFA91B4-E579-4B14-816A-A0DE69D4A4B2}" type="slidenum">
+            <a:fld id="{0D7ED1DA-FDE6-4004-B9B7-CA1B511EBACC}" type="slidenum">
               <a:rPr lang="zh-CN" altLang="en-US" smtClean="0"/>
               <a:t>‹#›</a:t>
             </a:fld>
@@ -2127,7 +2127,7 @@
     </p:spTree>
     <p:extLst>
       <p:ext uri="{BB962C8B-B14F-4D97-AF65-F5344CB8AC3E}">
-        <p14:creationId xmlns:p14="http://schemas.microsoft.com/office/powerpoint/2010/main" val="1413480069"/>
+        <p14:creationId xmlns:p14="http://schemas.microsoft.com/office/powerpoint/2010/main" val="2569096698"/>
       </p:ext>
     </p:extLst>
   </p:cSld>
@@ -2159,7 +2159,7 @@
           <p:cNvPr id="2" name="标题 1">
             <a:extLst>
               <a:ext uri="{FF2B5EF4-FFF2-40B4-BE49-F238E27FC236}">
-                <a16:creationId xmlns:a16="http://schemas.microsoft.com/office/drawing/2014/main" id="{4A6A0C0B-2DDF-A57E-167A-8B44E52F3964}"/>
+                <a16:creationId xmlns:a16="http://schemas.microsoft.com/office/drawing/2014/main" id="{714B7F6C-BAA3-EB38-A61B-6ECABD39A95F}"/>
               </a:ext>
             </a:extLst>
           </p:cNvPr>
@@ -2196,7 +2196,7 @@
           <p:cNvPr id="3" name="内容占位符 2">
             <a:extLst>
               <a:ext uri="{FF2B5EF4-FFF2-40B4-BE49-F238E27FC236}">
-                <a16:creationId xmlns:a16="http://schemas.microsoft.com/office/drawing/2014/main" id="{C9C7A0E1-9FB6-46B9-2C80-506DA547A256}"/>
+                <a16:creationId xmlns:a16="http://schemas.microsoft.com/office/drawing/2014/main" id="{34FAA004-848D-079C-48F7-F9FD06A89508}"/>
               </a:ext>
             </a:extLst>
           </p:cNvPr>
@@ -2286,7 +2286,7 @@
           <p:cNvPr id="4" name="文本占位符 3">
             <a:extLst>
               <a:ext uri="{FF2B5EF4-FFF2-40B4-BE49-F238E27FC236}">
-                <a16:creationId xmlns:a16="http://schemas.microsoft.com/office/drawing/2014/main" id="{31EB53D0-510B-C3B0-8BAE-42FF0A0E6A82}"/>
+                <a16:creationId xmlns:a16="http://schemas.microsoft.com/office/drawing/2014/main" id="{EBAF4377-6771-FF5B-491B-1244D1E24164}"/>
               </a:ext>
             </a:extLst>
           </p:cNvPr>
@@ -2357,7 +2357,7 @@
           <p:cNvPr id="5" name="日期占位符 4">
             <a:extLst>
               <a:ext uri="{FF2B5EF4-FFF2-40B4-BE49-F238E27FC236}">
-                <a16:creationId xmlns:a16="http://schemas.microsoft.com/office/drawing/2014/main" id="{1B03D019-A3E2-AD8C-13F1-FDF2BEB239ED}"/>
+                <a16:creationId xmlns:a16="http://schemas.microsoft.com/office/drawing/2014/main" id="{00AF3259-1C6A-6282-A2B6-E32F1BD60BEC}"/>
               </a:ext>
             </a:extLst>
           </p:cNvPr>
@@ -2373,7 +2373,7 @@
           <a:bodyPr/>
           <a:lstStyle/>
           <a:p>
-            <a:fld id="{647EEC0E-DE52-448E-A72F-270887C1E4DE}" type="datetimeFigureOut">
+            <a:fld id="{6A798656-BBBC-48CE-8814-336C531A3001}" type="datetimeFigureOut">
               <a:rPr lang="zh-CN" altLang="en-US" smtClean="0"/>
               <a:t>2024/3/10</a:t>
             </a:fld>
@@ -2386,7 +2386,7 @@
           <p:cNvPr id="6" name="页脚占位符 5">
             <a:extLst>
               <a:ext uri="{FF2B5EF4-FFF2-40B4-BE49-F238E27FC236}">
-                <a16:creationId xmlns:a16="http://schemas.microsoft.com/office/drawing/2014/main" id="{6138E182-1741-C352-3273-F187AFDB3A67}"/>
+                <a16:creationId xmlns:a16="http://schemas.microsoft.com/office/drawing/2014/main" id="{F795C45C-520D-7681-2D8A-843AAA652275}"/>
               </a:ext>
             </a:extLst>
           </p:cNvPr>
@@ -2411,7 +2411,7 @@
           <p:cNvPr id="7" name="灯片编号占位符 6">
             <a:extLst>
               <a:ext uri="{FF2B5EF4-FFF2-40B4-BE49-F238E27FC236}">
-                <a16:creationId xmlns:a16="http://schemas.microsoft.com/office/drawing/2014/main" id="{6656DF7A-6416-1BDA-1803-36CF30700E22}"/>
+                <a16:creationId xmlns:a16="http://schemas.microsoft.com/office/drawing/2014/main" id="{6445ECB7-E905-6062-7D85-0E7D7C2313D5}"/>
               </a:ext>
             </a:extLst>
           </p:cNvPr>
@@ -2427,7 +2427,7 @@
           <a:bodyPr/>
           <a:lstStyle/>
           <a:p>
-            <a:fld id="{9AFA91B4-E579-4B14-816A-A0DE69D4A4B2}" type="slidenum">
+            <a:fld id="{0D7ED1DA-FDE6-4004-B9B7-CA1B511EBACC}" type="slidenum">
               <a:rPr lang="zh-CN" altLang="en-US" smtClean="0"/>
               <a:t>‹#›</a:t>
             </a:fld>
@@ -2438,7 +2438,7 @@
     </p:spTree>
     <p:extLst>
       <p:ext uri="{BB962C8B-B14F-4D97-AF65-F5344CB8AC3E}">
-        <p14:creationId xmlns:p14="http://schemas.microsoft.com/office/powerpoint/2010/main" val="3556351451"/>
+        <p14:creationId xmlns:p14="http://schemas.microsoft.com/office/powerpoint/2010/main" val="2577967494"/>
       </p:ext>
     </p:extLst>
   </p:cSld>
@@ -2470,7 +2470,7 @@
           <p:cNvPr id="2" name="标题 1">
             <a:extLst>
               <a:ext uri="{FF2B5EF4-FFF2-40B4-BE49-F238E27FC236}">
-                <a16:creationId xmlns:a16="http://schemas.microsoft.com/office/drawing/2014/main" id="{1DF310D6-B11F-5663-B3B0-E0D3DCFAE40A}"/>
+                <a16:creationId xmlns:a16="http://schemas.microsoft.com/office/drawing/2014/main" id="{4CC93C6B-4790-2EB0-E317-672C61FBA643}"/>
               </a:ext>
             </a:extLst>
           </p:cNvPr>
@@ -2507,7 +2507,7 @@
           <p:cNvPr id="3" name="图片占位符 2">
             <a:extLst>
               <a:ext uri="{FF2B5EF4-FFF2-40B4-BE49-F238E27FC236}">
-                <a16:creationId xmlns:a16="http://schemas.microsoft.com/office/drawing/2014/main" id="{85B9EA5A-F914-9FB1-22EE-7B19D158363F}"/>
+                <a16:creationId xmlns:a16="http://schemas.microsoft.com/office/drawing/2014/main" id="{62FA0716-43CA-A099-E924-D35B81E6E08E}"/>
               </a:ext>
             </a:extLst>
           </p:cNvPr>
@@ -2574,7 +2574,7 @@
           <p:cNvPr id="4" name="文本占位符 3">
             <a:extLst>
               <a:ext uri="{FF2B5EF4-FFF2-40B4-BE49-F238E27FC236}">
-                <a16:creationId xmlns:a16="http://schemas.microsoft.com/office/drawing/2014/main" id="{E7A90BA2-3953-9294-DBE9-580B74BD2C3D}"/>
+                <a16:creationId xmlns:a16="http://schemas.microsoft.com/office/drawing/2014/main" id="{54A9CE9B-22CB-E7EB-F7A7-4581FB4C97A5}"/>
               </a:ext>
             </a:extLst>
           </p:cNvPr>
@@ -2645,7 +2645,7 @@
           <p:cNvPr id="5" name="日期占位符 4">
             <a:extLst>
               <a:ext uri="{FF2B5EF4-FFF2-40B4-BE49-F238E27FC236}">
-                <a16:creationId xmlns:a16="http://schemas.microsoft.com/office/drawing/2014/main" id="{2C865669-1E77-0394-195E-2482F9883BF1}"/>
+                <a16:creationId xmlns:a16="http://schemas.microsoft.com/office/drawing/2014/main" id="{5C2451F5-4553-6F7B-C68D-27E49D2130AE}"/>
               </a:ext>
             </a:extLst>
           </p:cNvPr>
@@ -2661,7 +2661,7 @@
           <a:bodyPr/>
           <a:lstStyle/>
           <a:p>
-            <a:fld id="{647EEC0E-DE52-448E-A72F-270887C1E4DE}" type="datetimeFigureOut">
+            <a:fld id="{6A798656-BBBC-48CE-8814-336C531A3001}" type="datetimeFigureOut">
               <a:rPr lang="zh-CN" altLang="en-US" smtClean="0"/>
               <a:t>2024/3/10</a:t>
             </a:fld>
@@ -2674,7 +2674,7 @@
           <p:cNvPr id="6" name="页脚占位符 5">
             <a:extLst>
               <a:ext uri="{FF2B5EF4-FFF2-40B4-BE49-F238E27FC236}">
-                <a16:creationId xmlns:a16="http://schemas.microsoft.com/office/drawing/2014/main" id="{0F742ACC-F1AC-A047-7099-27886C8C1057}"/>
+                <a16:creationId xmlns:a16="http://schemas.microsoft.com/office/drawing/2014/main" id="{AB72553B-6F3B-5318-C778-1578741FA4E1}"/>
               </a:ext>
             </a:extLst>
           </p:cNvPr>
@@ -2699,7 +2699,7 @@
           <p:cNvPr id="7" name="灯片编号占位符 6">
             <a:extLst>
               <a:ext uri="{FF2B5EF4-FFF2-40B4-BE49-F238E27FC236}">
-                <a16:creationId xmlns:a16="http://schemas.microsoft.com/office/drawing/2014/main" id="{8DC5FB97-D2C8-0D75-743A-FBB3D0FEAA35}"/>
+                <a16:creationId xmlns:a16="http://schemas.microsoft.com/office/drawing/2014/main" id="{3D1D1DD4-DA2E-81FD-1F2D-366A2DCBCCF1}"/>
               </a:ext>
             </a:extLst>
           </p:cNvPr>
@@ -2715,7 +2715,7 @@
           <a:bodyPr/>
           <a:lstStyle/>
           <a:p>
-            <a:fld id="{9AFA91B4-E579-4B14-816A-A0DE69D4A4B2}" type="slidenum">
+            <a:fld id="{0D7ED1DA-FDE6-4004-B9B7-CA1B511EBACC}" type="slidenum">
               <a:rPr lang="zh-CN" altLang="en-US" smtClean="0"/>
               <a:t>‹#›</a:t>
             </a:fld>
@@ -2726,7 +2726,7 @@
     </p:spTree>
     <p:extLst>
       <p:ext uri="{BB962C8B-B14F-4D97-AF65-F5344CB8AC3E}">
-        <p14:creationId xmlns:p14="http://schemas.microsoft.com/office/powerpoint/2010/main" val="1432069356"/>
+        <p14:creationId xmlns:p14="http://schemas.microsoft.com/office/powerpoint/2010/main" val="2052421206"/>
       </p:ext>
     </p:extLst>
   </p:cSld>
@@ -2763,7 +2763,7 @@
           <p:cNvPr id="2" name="标题占位符 1">
             <a:extLst>
               <a:ext uri="{FF2B5EF4-FFF2-40B4-BE49-F238E27FC236}">
-                <a16:creationId xmlns:a16="http://schemas.microsoft.com/office/drawing/2014/main" id="{2F294D78-D318-4C63-D689-7E32ED2F1815}"/>
+                <a16:creationId xmlns:a16="http://schemas.microsoft.com/office/drawing/2014/main" id="{3C5E724C-07CB-7728-E543-526471973BD8}"/>
               </a:ext>
             </a:extLst>
           </p:cNvPr>
@@ -2801,7 +2801,7 @@
           <p:cNvPr id="3" name="文本占位符 2">
             <a:extLst>
               <a:ext uri="{FF2B5EF4-FFF2-40B4-BE49-F238E27FC236}">
-                <a16:creationId xmlns:a16="http://schemas.microsoft.com/office/drawing/2014/main" id="{E078AA83-624F-029B-C76D-CE568CB4FA75}"/>
+                <a16:creationId xmlns:a16="http://schemas.microsoft.com/office/drawing/2014/main" id="{5A6D9CFF-9AB6-40EA-BE27-B5AF35F38515}"/>
               </a:ext>
             </a:extLst>
           </p:cNvPr>
@@ -2868,7 +2868,7 @@
           <p:cNvPr id="4" name="日期占位符 3">
             <a:extLst>
               <a:ext uri="{FF2B5EF4-FFF2-40B4-BE49-F238E27FC236}">
-                <a16:creationId xmlns:a16="http://schemas.microsoft.com/office/drawing/2014/main" id="{99AE1CF8-82EF-8733-99DD-09DDD7C4F21F}"/>
+                <a16:creationId xmlns:a16="http://schemas.microsoft.com/office/drawing/2014/main" id="{F9150E3D-02E3-473A-4311-4054A42E343F}"/>
               </a:ext>
             </a:extLst>
           </p:cNvPr>
@@ -2902,7 +2902,7 @@
             </a:lvl1pPr>
           </a:lstStyle>
           <a:p>
-            <a:fld id="{647EEC0E-DE52-448E-A72F-270887C1E4DE}" type="datetimeFigureOut">
+            <a:fld id="{6A798656-BBBC-48CE-8814-336C531A3001}" type="datetimeFigureOut">
               <a:rPr lang="zh-CN" altLang="en-US" smtClean="0"/>
               <a:t>2024/3/10</a:t>
             </a:fld>
@@ -2915,7 +2915,7 @@
           <p:cNvPr id="5" name="页脚占位符 4">
             <a:extLst>
               <a:ext uri="{FF2B5EF4-FFF2-40B4-BE49-F238E27FC236}">
-                <a16:creationId xmlns:a16="http://schemas.microsoft.com/office/drawing/2014/main" id="{C819A263-E55F-DC12-D047-E37D8479729E}"/>
+                <a16:creationId xmlns:a16="http://schemas.microsoft.com/office/drawing/2014/main" id="{75058498-29A5-BF98-210D-17C73FF1AA05}"/>
               </a:ext>
             </a:extLst>
           </p:cNvPr>
@@ -2958,7 +2958,7 @@
           <p:cNvPr id="6" name="灯片编号占位符 5">
             <a:extLst>
               <a:ext uri="{FF2B5EF4-FFF2-40B4-BE49-F238E27FC236}">
-                <a16:creationId xmlns:a16="http://schemas.microsoft.com/office/drawing/2014/main" id="{2466FEED-9B40-A3A8-BF44-73C62ABF99E8}"/>
+                <a16:creationId xmlns:a16="http://schemas.microsoft.com/office/drawing/2014/main" id="{B96806A0-1D09-E6D3-3911-B1731D16E1EC}"/>
               </a:ext>
             </a:extLst>
           </p:cNvPr>
@@ -2992,7 +2992,7 @@
             </a:lvl1pPr>
           </a:lstStyle>
           <a:p>
-            <a:fld id="{9AFA91B4-E579-4B14-816A-A0DE69D4A4B2}" type="slidenum">
+            <a:fld id="{0D7ED1DA-FDE6-4004-B9B7-CA1B511EBACC}" type="slidenum">
               <a:rPr lang="zh-CN" altLang="en-US" smtClean="0"/>
               <a:t>‹#›</a:t>
             </a:fld>
@@ -3003,7 +3003,7 @@
     </p:spTree>
     <p:extLst>
       <p:ext uri="{BB962C8B-B14F-4D97-AF65-F5344CB8AC3E}">
-        <p14:creationId xmlns:p14="http://schemas.microsoft.com/office/powerpoint/2010/main" val="3027346957"/>
+        <p14:creationId xmlns:p14="http://schemas.microsoft.com/office/powerpoint/2010/main" val="581912930"/>
       </p:ext>
     </p:extLst>
   </p:cSld>
